--- a/slides/06.PHP-BASICS-ARRAY.pptx
+++ b/slides/06.PHP-BASICS-ARRAY.pptx
@@ -28,6 +28,8 @@
     <p:sldId id="275" r:id="rId23"/>
     <p:sldId id="276" r:id="rId24"/>
     <p:sldId id="277" r:id="rId25"/>
+    <p:sldId id="278" r:id="rId26"/>
+    <p:sldId id="279" r:id="rId27"/>
   </p:sldIdLst>
   <p:sldSz cx="9144000" cy="6858000"/>
   <p:notesSz cx="7559675" cy="10691812"/>
@@ -2770,7 +2772,7 @@
         <p:spPr>
           <a:xfrm>
             <a:off x="732960" y="1000440"/>
-            <a:ext cx="7769160" cy="1466640"/>
+            <a:ext cx="7768800" cy="1466280"/>
           </a:xfrm>
           <a:prstGeom prst="rect">
             <a:avLst/>
@@ -2817,7 +2819,7 @@
         <p:spPr>
           <a:xfrm>
             <a:off x="1371600" y="3886200"/>
-            <a:ext cx="6397560" cy="1749240"/>
+            <a:ext cx="6397200" cy="1748880"/>
           </a:xfrm>
           <a:prstGeom prst="rect">
             <a:avLst/>
@@ -2862,7 +2864,7 @@
         <p:spPr>
           <a:xfrm>
             <a:off x="3292920" y="2122920"/>
-            <a:ext cx="3106440" cy="344520"/>
+            <a:ext cx="3106080" cy="344160"/>
           </a:xfrm>
           <a:prstGeom prst="rect">
             <a:avLst/>
@@ -2953,7 +2955,7 @@
         <p:spPr>
           <a:xfrm>
             <a:off x="182880" y="1188720"/>
-            <a:ext cx="8226360" cy="1139760"/>
+            <a:ext cx="8226000" cy="1139400"/>
           </a:xfrm>
           <a:prstGeom prst="rect">
             <a:avLst/>
@@ -3000,7 +3002,7 @@
         <p:spPr>
           <a:xfrm>
             <a:off x="585720" y="1897560"/>
-            <a:ext cx="7616880" cy="4522680"/>
+            <a:ext cx="7616520" cy="4522320"/>
           </a:xfrm>
           <a:prstGeom prst="rect">
             <a:avLst/>
@@ -3026,7 +3028,7 @@
         <p:spPr>
           <a:xfrm>
             <a:off x="640080" y="3017520"/>
-            <a:ext cx="8320680" cy="2010240"/>
+            <a:ext cx="8320320" cy="2009880"/>
           </a:xfrm>
           <a:prstGeom prst="rect">
             <a:avLst/>
@@ -3051,7 +3053,7 @@
               </a:lnSpc>
               <a:buSzPct val="45000"/>
               <a:buFont typeface="StarSymbol"/>
-              <a:buChar char=""/>
+              <a:buChar char="l"/>
             </a:pPr>
             <a:r>
               <a:rPr lang="en-US" sz="2400" strike="noStrike">
@@ -3072,7 +3074,7 @@
               </a:lnSpc>
               <a:buSzPct val="45000"/>
               <a:buFont typeface="StarSymbol"/>
-              <a:buChar char=""/>
+              <a:buChar char="l"/>
             </a:pPr>
             <a:r>
               <a:rPr lang="en-US" sz="2400" strike="noStrike">
@@ -3093,7 +3095,7 @@
               </a:lnSpc>
               <a:buSzPct val="45000"/>
               <a:buFont typeface="StarSymbol"/>
-              <a:buChar char=""/>
+              <a:buChar char="l"/>
             </a:pPr>
             <a:r>
               <a:rPr lang="en-US" sz="2400" strike="noStrike">
@@ -3167,7 +3169,7 @@
         <p:spPr>
           <a:xfrm>
             <a:off x="731520" y="2555280"/>
-            <a:ext cx="7769160" cy="1466640"/>
+            <a:ext cx="7768800" cy="1466280"/>
           </a:xfrm>
           <a:prstGeom prst="rect">
             <a:avLst/>
@@ -3263,7 +3265,7 @@
         <p:spPr>
           <a:xfrm>
             <a:off x="182880" y="1188720"/>
-            <a:ext cx="8226360" cy="1139760"/>
+            <a:ext cx="8226000" cy="1139400"/>
           </a:xfrm>
           <a:prstGeom prst="rect">
             <a:avLst/>
@@ -3310,7 +3312,7 @@
         <p:spPr>
           <a:xfrm>
             <a:off x="585720" y="1897560"/>
-            <a:ext cx="7616880" cy="4522680"/>
+            <a:ext cx="7616520" cy="4522320"/>
           </a:xfrm>
           <a:prstGeom prst="rect">
             <a:avLst/>
@@ -3336,7 +3338,7 @@
         <p:spPr>
           <a:xfrm>
             <a:off x="640080" y="3017520"/>
-            <a:ext cx="8320680" cy="2010240"/>
+            <a:ext cx="8320320" cy="2009880"/>
           </a:xfrm>
           <a:prstGeom prst="rect">
             <a:avLst/>
@@ -3361,7 +3363,7 @@
               </a:lnSpc>
               <a:buSzPct val="45000"/>
               <a:buFont typeface="StarSymbol"/>
-              <a:buChar char=""/>
+              <a:buChar char="l"/>
             </a:pPr>
             <a:r>
               <a:rPr lang="en-US" sz="2400" strike="noStrike">
@@ -3382,7 +3384,7 @@
               </a:lnSpc>
               <a:buSzPct val="45000"/>
               <a:buFont typeface="StarSymbol"/>
-              <a:buChar char=""/>
+              <a:buChar char="l"/>
             </a:pPr>
             <a:r>
               <a:rPr lang="en-US" sz="2400" strike="noStrike">
@@ -3403,7 +3405,7 @@
               </a:lnSpc>
               <a:buSzPct val="45000"/>
               <a:buFont typeface="StarSymbol"/>
-              <a:buChar char=""/>
+              <a:buChar char="l"/>
             </a:pPr>
             <a:r>
               <a:rPr lang="en-US" sz="2400" strike="noStrike">
@@ -3477,7 +3479,7 @@
         <p:spPr>
           <a:xfrm>
             <a:off x="731520" y="2555280"/>
-            <a:ext cx="7769160" cy="1466640"/>
+            <a:ext cx="7768800" cy="1466280"/>
           </a:xfrm>
           <a:prstGeom prst="rect">
             <a:avLst/>
@@ -3573,7 +3575,7 @@
         <p:spPr>
           <a:xfrm>
             <a:off x="182880" y="1188720"/>
-            <a:ext cx="8226360" cy="1139760"/>
+            <a:ext cx="8226000" cy="1139400"/>
           </a:xfrm>
           <a:prstGeom prst="rect">
             <a:avLst/>
@@ -3620,7 +3622,7 @@
         <p:spPr>
           <a:xfrm>
             <a:off x="585720" y="1897560"/>
-            <a:ext cx="7616880" cy="4522680"/>
+            <a:ext cx="7616520" cy="4522320"/>
           </a:xfrm>
           <a:prstGeom prst="rect">
             <a:avLst/>
@@ -3646,7 +3648,7 @@
         <p:spPr>
           <a:xfrm>
             <a:off x="640080" y="3017520"/>
-            <a:ext cx="8320680" cy="2010240"/>
+            <a:ext cx="8320320" cy="2009880"/>
           </a:xfrm>
           <a:prstGeom prst="rect">
             <a:avLst/>
@@ -3671,7 +3673,7 @@
               </a:lnSpc>
               <a:buSzPct val="45000"/>
               <a:buFont typeface="StarSymbol"/>
-              <a:buChar char=""/>
+              <a:buChar char="l"/>
             </a:pPr>
             <a:r>
               <a:rPr lang="en-US" sz="2400" strike="noStrike">
@@ -3692,7 +3694,7 @@
               </a:lnSpc>
               <a:buSzPct val="45000"/>
               <a:buFont typeface="StarSymbol"/>
-              <a:buChar char=""/>
+              <a:buChar char="l"/>
             </a:pPr>
             <a:r>
               <a:rPr lang="en-US" sz="2400" strike="noStrike">
@@ -3713,7 +3715,7 @@
               </a:lnSpc>
               <a:buSzPct val="45000"/>
               <a:buFont typeface="StarSymbol"/>
-              <a:buChar char=""/>
+              <a:buChar char="l"/>
             </a:pPr>
             <a:r>
               <a:rPr lang="en-US" sz="2400" strike="noStrike">
@@ -3787,7 +3789,7 @@
         <p:spPr>
           <a:xfrm>
             <a:off x="731520" y="2555280"/>
-            <a:ext cx="7769160" cy="1466640"/>
+            <a:ext cx="7768800" cy="1466280"/>
           </a:xfrm>
           <a:prstGeom prst="rect">
             <a:avLst/>
@@ -3883,7 +3885,7 @@
         <p:spPr>
           <a:xfrm>
             <a:off x="182880" y="1188720"/>
-            <a:ext cx="8226360" cy="1139760"/>
+            <a:ext cx="8226000" cy="1139400"/>
           </a:xfrm>
           <a:prstGeom prst="rect">
             <a:avLst/>
@@ -3930,7 +3932,7 @@
         <p:spPr>
           <a:xfrm>
             <a:off x="585720" y="1897560"/>
-            <a:ext cx="7616880" cy="4522680"/>
+            <a:ext cx="7616520" cy="4522320"/>
           </a:xfrm>
           <a:prstGeom prst="rect">
             <a:avLst/>
@@ -3956,7 +3958,7 @@
         <p:spPr>
           <a:xfrm>
             <a:off x="640080" y="3018960"/>
-            <a:ext cx="8320680" cy="2010240"/>
+            <a:ext cx="8320320" cy="2009880"/>
           </a:xfrm>
           <a:prstGeom prst="rect">
             <a:avLst/>
@@ -3981,7 +3983,7 @@
               </a:lnSpc>
               <a:buSzPct val="45000"/>
               <a:buFont typeface="StarSymbol"/>
-              <a:buChar char=""/>
+              <a:buChar char="l"/>
             </a:pPr>
             <a:r>
               <a:rPr lang="en-US" sz="2400" strike="noStrike">
@@ -4002,7 +4004,7 @@
               </a:lnSpc>
               <a:buSzPct val="45000"/>
               <a:buFont typeface="StarSymbol"/>
-              <a:buChar char=""/>
+              <a:buChar char="l"/>
             </a:pPr>
             <a:r>
               <a:rPr lang="en-US" sz="2400" strike="noStrike">
@@ -4023,7 +4025,7 @@
               </a:lnSpc>
               <a:buSzPct val="45000"/>
               <a:buFont typeface="StarSymbol"/>
-              <a:buChar char=""/>
+              <a:buChar char="l"/>
             </a:pPr>
             <a:r>
               <a:rPr lang="en-US" sz="2400" strike="noStrike">
@@ -4044,7 +4046,7 @@
               </a:lnSpc>
               <a:buSzPct val="45000"/>
               <a:buFont typeface="StarSymbol"/>
-              <a:buChar char=""/>
+              <a:buChar char="l"/>
             </a:pPr>
             <a:r>
               <a:rPr lang="en-US" sz="2400" strike="noStrike">
@@ -4054,17 +4056,7 @@
                 <a:latin typeface="Arial"/>
                 <a:ea typeface="DejaVu Sans"/>
               </a:rPr>
-              <a:t>Визуализация </a:t>
-            </a:r>
-            <a:r>
-              <a:rPr lang="en-US" sz="2400" strike="noStrike">
-                <a:solidFill>
-                  <a:srgbClr val="ffffff"/>
-                </a:solidFill>
-                <a:latin typeface="Arial"/>
-                <a:ea typeface="DejaVu Sans"/>
-              </a:rPr>
-              <a:t>ТУК</a:t>
+              <a:t>Визуализация ТУК</a:t>
             </a:r>
             <a:endParaRPr/>
           </a:p>
@@ -4128,7 +4120,7 @@
         <p:spPr>
           <a:xfrm>
             <a:off x="731520" y="2555280"/>
-            <a:ext cx="7769160" cy="1466640"/>
+            <a:ext cx="7768800" cy="1466280"/>
           </a:xfrm>
           <a:prstGeom prst="rect">
             <a:avLst/>
@@ -4224,7 +4216,7 @@
         <p:spPr>
           <a:xfrm>
             <a:off x="182880" y="1188720"/>
-            <a:ext cx="8226360" cy="1139760"/>
+            <a:ext cx="8226000" cy="1139400"/>
           </a:xfrm>
           <a:prstGeom prst="rect">
             <a:avLst/>
@@ -4271,7 +4263,7 @@
         <p:spPr>
           <a:xfrm>
             <a:off x="585720" y="1897560"/>
-            <a:ext cx="7616880" cy="4522680"/>
+            <a:ext cx="7616520" cy="4522320"/>
           </a:xfrm>
           <a:prstGeom prst="rect">
             <a:avLst/>
@@ -4297,7 +4289,7 @@
         <p:spPr>
           <a:xfrm>
             <a:off x="640080" y="3018960"/>
-            <a:ext cx="8320680" cy="2010240"/>
+            <a:ext cx="8320320" cy="2009880"/>
           </a:xfrm>
           <a:prstGeom prst="rect">
             <a:avLst/>
@@ -4322,7 +4314,7 @@
               </a:lnSpc>
               <a:buSzPct val="45000"/>
               <a:buFont typeface="StarSymbol"/>
-              <a:buChar char=""/>
+              <a:buChar char="l"/>
             </a:pPr>
             <a:r>
               <a:rPr lang="en-US" sz="2400" strike="noStrike">
@@ -4343,7 +4335,7 @@
               </a:lnSpc>
               <a:buSzPct val="45000"/>
               <a:buFont typeface="StarSymbol"/>
-              <a:buChar char=""/>
+              <a:buChar char="l"/>
             </a:pPr>
             <a:r>
               <a:rPr lang="en-US" sz="2400" strike="noStrike">
@@ -4364,7 +4356,7 @@
               </a:lnSpc>
               <a:buSzPct val="45000"/>
               <a:buFont typeface="StarSymbol"/>
-              <a:buChar char=""/>
+              <a:buChar char="l"/>
             </a:pPr>
             <a:r>
               <a:rPr lang="en-US" sz="2400" strike="noStrike">
@@ -4385,7 +4377,7 @@
               </a:lnSpc>
               <a:buSzPct val="45000"/>
               <a:buFont typeface="StarSymbol"/>
-              <a:buChar char=""/>
+              <a:buChar char="l"/>
             </a:pPr>
             <a:r>
               <a:rPr lang="en-US" sz="2400" strike="noStrike">
@@ -4406,7 +4398,7 @@
               </a:lnSpc>
               <a:buSzPct val="45000"/>
               <a:buFont typeface="StarSymbol"/>
-              <a:buChar char=""/>
+              <a:buChar char="l"/>
             </a:pPr>
             <a:r>
               <a:rPr lang="en-US" sz="2400" strike="noStrike">
@@ -4427,7 +4419,7 @@
               </a:lnSpc>
               <a:buSzPct val="45000"/>
               <a:buFont typeface="StarSymbol"/>
-              <a:buChar char=""/>
+              <a:buChar char="l"/>
             </a:pPr>
             <a:r>
               <a:rPr lang="en-US" sz="2400" strike="noStrike">
@@ -4501,7 +4493,7 @@
         <p:spPr>
           <a:xfrm>
             <a:off x="731520" y="2555280"/>
-            <a:ext cx="7769160" cy="1466640"/>
+            <a:ext cx="7768800" cy="1466280"/>
           </a:xfrm>
           <a:prstGeom prst="rect">
             <a:avLst/>
@@ -4597,7 +4589,7 @@
         <p:spPr>
           <a:xfrm>
             <a:off x="917640" y="779400"/>
-            <a:ext cx="7769160" cy="1466640"/>
+            <a:ext cx="7768800" cy="1466280"/>
           </a:xfrm>
           <a:prstGeom prst="rect">
             <a:avLst/>
@@ -4644,7 +4636,7 @@
         <p:spPr>
           <a:xfrm>
             <a:off x="373320" y="2306880"/>
-            <a:ext cx="8137440" cy="4551120"/>
+            <a:ext cx="8137080" cy="4550760"/>
           </a:xfrm>
           <a:prstGeom prst="rect">
             <a:avLst/>
@@ -4669,7 +4661,7 @@
               </a:lnSpc>
               <a:buSzPct val="45000"/>
               <a:buFont typeface="StarSymbol"/>
-              <a:buChar char=""/>
+              <a:buChar char="l"/>
             </a:pPr>
             <a:r>
               <a:rPr lang="en-US" sz="2400" strike="noStrike">
@@ -4690,7 +4682,7 @@
               </a:lnSpc>
               <a:buSzPct val="45000"/>
               <a:buFont typeface="StarSymbol"/>
-              <a:buChar char=""/>
+              <a:buChar char="l"/>
             </a:pPr>
             <a:r>
               <a:rPr lang="en-US" sz="2400" strike="noStrike">
@@ -4711,7 +4703,7 @@
               </a:lnSpc>
               <a:buSzPct val="45000"/>
               <a:buFont typeface="StarSymbol"/>
-              <a:buChar char=""/>
+              <a:buChar char="l"/>
             </a:pPr>
             <a:r>
               <a:rPr lang="en-US" sz="2400" strike="noStrike">
@@ -4732,7 +4724,7 @@
               </a:lnSpc>
               <a:buSzPct val="45000"/>
               <a:buFont typeface="StarSymbol"/>
-              <a:buChar char=""/>
+              <a:buChar char="l"/>
             </a:pPr>
             <a:r>
               <a:rPr lang="en-US" sz="2400" strike="noStrike">
@@ -4753,7 +4745,7 @@
               </a:lnSpc>
               <a:buSzPct val="45000"/>
               <a:buFont typeface="StarSymbol"/>
-              <a:buChar char=""/>
+              <a:buChar char="l"/>
             </a:pPr>
             <a:r>
               <a:rPr lang="en-US" sz="2400" strike="noStrike">
@@ -4774,7 +4766,7 @@
               </a:lnSpc>
               <a:buSzPct val="45000"/>
               <a:buFont typeface="StarSymbol"/>
-              <a:buChar char=""/>
+              <a:buChar char="l"/>
             </a:pPr>
             <a:r>
               <a:rPr lang="en-US" sz="2400" strike="noStrike">
@@ -4795,7 +4787,7 @@
               </a:lnSpc>
               <a:buSzPct val="45000"/>
               <a:buFont typeface="StarSymbol"/>
-              <a:buChar char=""/>
+              <a:buChar char="l"/>
             </a:pPr>
             <a:r>
               <a:rPr lang="en-US" sz="2400" strike="noStrike">
@@ -4868,8 +4860,8 @@
         </p:nvSpPr>
         <p:spPr>
           <a:xfrm>
-            <a:off x="459000" y="731520"/>
-            <a:ext cx="8226360" cy="1139760"/>
+            <a:off x="182880" y="1188720"/>
+            <a:ext cx="8226000" cy="1139400"/>
           </a:xfrm>
           <a:prstGeom prst="rect">
             <a:avLst/>
@@ -4901,7 +4893,7 @@
                 <a:latin typeface="Calibri"/>
                 <a:ea typeface="DejaVu Sans"/>
               </a:rPr>
-              <a:t>Задача за домашно 1</a:t>
+              <a:t>Многомерни масиви</a:t>
             </a:r>
             <a:endParaRPr/>
           </a:p>
@@ -4916,7 +4908,7 @@
         <p:spPr>
           <a:xfrm>
             <a:off x="585720" y="1897560"/>
-            <a:ext cx="7616880" cy="4522680"/>
+            <a:ext cx="7616520" cy="4522320"/>
           </a:xfrm>
           <a:prstGeom prst="rect">
             <a:avLst/>
@@ -4941,8 +4933,8 @@
         </p:nvSpPr>
         <p:spPr>
           <a:xfrm>
-            <a:off x="274320" y="1828800"/>
-            <a:ext cx="8593920" cy="1461600"/>
+            <a:off x="640080" y="3018960"/>
+            <a:ext cx="8320320" cy="2009880"/>
           </a:xfrm>
           <a:prstGeom prst="rect">
             <a:avLst/>
@@ -4977,7 +4969,7 @@
                 <a:latin typeface="Arial"/>
                 <a:ea typeface="DejaVu Sans"/>
               </a:rPr>
-              <a:t>С помощта на php създайте масив с 6 елемента, които представляват произволни марки коли. </a:t>
+              <a:t>Елементите на масивите могат да бъдат други масиви</a:t>
             </a:r>
             <a:endParaRPr/>
           </a:p>
@@ -4998,7 +4990,7 @@
                 <a:latin typeface="Arial"/>
                 <a:ea typeface="DejaVu Sans"/>
               </a:rPr>
-              <a:t>Обходете масива и визуализирайте 6 параграфа, които съдържате текста „Искам да си купя …“ като на мястото на многоточието поставете всяка една от марките.</a:t>
+              <a:t>Доста често се използва при работа с бази данни</a:t>
             </a:r>
             <a:endParaRPr/>
           </a:p>
@@ -5019,28 +5011,7 @@
                 <a:latin typeface="Arial"/>
                 <a:ea typeface="DejaVu Sans"/>
               </a:rPr>
-              <a:t>Изтрийте последния елемент от масива и го обходете отново.</a:t>
-            </a:r>
-            <a:endParaRPr/>
-          </a:p>
-          <a:p>
-            <a:pPr>
-              <a:lnSpc>
-                <a:spcPct val="100000"/>
-              </a:lnSpc>
-              <a:buSzPct val="45000"/>
-              <a:buFont typeface="StarSymbol"/>
-              <a:buChar char=""/>
-            </a:pPr>
-            <a:r>
-              <a:rPr lang="en-US" sz="2400" strike="noStrike">
-                <a:solidFill>
-                  <a:srgbClr val="ffffff"/>
-                </a:solidFill>
-                <a:latin typeface="Arial"/>
-                <a:ea typeface="DejaVu Sans"/>
-              </a:rPr>
-              <a:t>Този път визуализирайте 5 параграфа с текст „ще си купя …“ като на мястото на многоточието поставете съответната марка</a:t>
+              <a:t>Обхождането става с вложени цикли</a:t>
             </a:r>
             <a:endParaRPr/>
           </a:p>
@@ -5103,8 +5074,8 @@
         </p:nvSpPr>
         <p:spPr>
           <a:xfrm>
-            <a:off x="459000" y="731520"/>
-            <a:ext cx="8226360" cy="1139760"/>
+            <a:off x="731520" y="2555280"/>
+            <a:ext cx="7768800" cy="1466280"/>
           </a:xfrm>
           <a:prstGeom prst="rect">
             <a:avLst/>
@@ -5136,125 +5107,7 @@
                 <a:latin typeface="Calibri"/>
                 <a:ea typeface="DejaVu Sans"/>
               </a:rPr>
-              <a:t>Задача за домашно 2</a:t>
-            </a:r>
-            <a:endParaRPr/>
-          </a:p>
-        </p:txBody>
-      </p:sp>
-      <p:sp>
-        <p:nvSpPr>
-          <p:cNvPr id="112" name="CustomShape 2"/>
-          <p:cNvSpPr/>
-          <p:nvPr/>
-        </p:nvSpPr>
-        <p:spPr>
-          <a:xfrm>
-            <a:off x="585720" y="1897560"/>
-            <a:ext cx="7616880" cy="4522680"/>
-          </a:xfrm>
-          <a:prstGeom prst="rect">
-            <a:avLst/>
-          </a:prstGeom>
-          <a:noFill/>
-          <a:ln>
-            <a:noFill/>
-          </a:ln>
-        </p:spPr>
-        <p:style>
-          <a:lnRef idx="0"/>
-          <a:fillRef idx="0"/>
-          <a:effectRef idx="0"/>
-          <a:fontRef idx="minor"/>
-        </p:style>
-      </p:sp>
-      <p:sp>
-        <p:nvSpPr>
-          <p:cNvPr id="113" name="CustomShape 3"/>
-          <p:cNvSpPr/>
-          <p:nvPr/>
-        </p:nvSpPr>
-        <p:spPr>
-          <a:xfrm>
-            <a:off x="274320" y="1828800"/>
-            <a:ext cx="8593920" cy="1461600"/>
-          </a:xfrm>
-          <a:prstGeom prst="rect">
-            <a:avLst/>
-          </a:prstGeom>
-          <a:noFill/>
-          <a:ln>
-            <a:noFill/>
-          </a:ln>
-        </p:spPr>
-        <p:style>
-          <a:lnRef idx="0"/>
-          <a:fillRef idx="0"/>
-          <a:effectRef idx="0"/>
-          <a:fontRef idx="minor"/>
-        </p:style>
-        <p:txBody>
-          <a:bodyPr lIns="90000" rIns="90000" tIns="45000" bIns="45000"/>
-          <a:p>
-            <a:pPr>
-              <a:lnSpc>
-                <a:spcPct val="100000"/>
-              </a:lnSpc>
-              <a:buSzPct val="45000"/>
-              <a:buFont typeface="StarSymbol"/>
-              <a:buChar char=""/>
-            </a:pPr>
-            <a:r>
-              <a:rPr lang="en-US" sz="2400" strike="noStrike">
-                <a:solidFill>
-                  <a:srgbClr val="ffffff"/>
-                </a:solidFill>
-                <a:latin typeface="Arial"/>
-                <a:ea typeface="DejaVu Sans"/>
-              </a:rPr>
-              <a:t>С помощта на Php създайте асоциативен масив съдържащ 5 елемента, всеки от който с ключ - име на компания, и стойност web-site на компания. </a:t>
-            </a:r>
-            <a:endParaRPr/>
-          </a:p>
-          <a:p>
-            <a:pPr>
-              <a:lnSpc>
-                <a:spcPct val="100000"/>
-              </a:lnSpc>
-              <a:buSzPct val="45000"/>
-              <a:buFont typeface="StarSymbol"/>
-              <a:buChar char=""/>
-            </a:pPr>
-            <a:r>
-              <a:rPr lang="en-US" sz="2400" strike="noStrike">
-                <a:solidFill>
-                  <a:srgbClr val="ffffff"/>
-                </a:solidFill>
-                <a:latin typeface="Arial"/>
-                <a:ea typeface="DejaVu Sans"/>
-              </a:rPr>
-              <a:t>С помощта на цикъла foreach генерирайте неподреден списък съдържащ линкове към сайтовете. </a:t>
-            </a:r>
-            <a:endParaRPr/>
-          </a:p>
-          <a:p>
-            <a:pPr>
-              <a:lnSpc>
-                <a:spcPct val="100000"/>
-              </a:lnSpc>
-              <a:buSzPct val="45000"/>
-              <a:buFont typeface="StarSymbol"/>
-              <a:buChar char=""/>
-            </a:pPr>
-            <a:r>
-              <a:rPr lang="en-US" sz="2400" strike="noStrike">
-                <a:solidFill>
-                  <a:srgbClr val="ffffff"/>
-                </a:solidFill>
-                <a:latin typeface="Arial"/>
-                <a:ea typeface="DejaVu Sans"/>
-              </a:rPr>
-              <a:t>Текстът на линковете трябва да бъде името на съответната компания</a:t>
+              <a:t>Пример</a:t>
             </a:r>
             <a:endParaRPr/>
           </a:p>
@@ -5311,14 +5164,14 @@
       </p:grpSpPr>
       <p:sp>
         <p:nvSpPr>
-          <p:cNvPr id="114" name="CustomShape 1"/>
+          <p:cNvPr id="112" name="CustomShape 1"/>
           <p:cNvSpPr/>
           <p:nvPr/>
         </p:nvSpPr>
         <p:spPr>
           <a:xfrm>
-            <a:off x="3111840" y="2468880"/>
-            <a:ext cx="8226360" cy="1139760"/>
+            <a:off x="459000" y="731520"/>
+            <a:ext cx="8226000" cy="1139400"/>
           </a:xfrm>
           <a:prstGeom prst="rect">
             <a:avLst/>
@@ -5337,7 +5190,7 @@
         <p:txBody>
           <a:bodyPr lIns="90000" rIns="90000" tIns="45000" bIns="45000" anchor="ctr"/>
           <a:p>
-            <a:pPr>
+            <a:pPr algn="ctr">
               <a:lnSpc>
                 <a:spcPct val="100000"/>
               </a:lnSpc>
@@ -5350,22 +5203,22 @@
                 <a:latin typeface="Calibri"/>
                 <a:ea typeface="DejaVu Sans"/>
               </a:rPr>
-              <a:t>Въпроси</a:t>
-            </a:r>
-            <a:endParaRPr/>
-          </a:p>
-        </p:txBody>
-      </p:sp>
-      <p:sp>
-        <p:nvSpPr>
-          <p:cNvPr id="115" name="CustomShape 2"/>
+              <a:t>Задача за домашно 1</a:t>
+            </a:r>
+            <a:endParaRPr/>
+          </a:p>
+        </p:txBody>
+      </p:sp>
+      <p:sp>
+        <p:nvSpPr>
+          <p:cNvPr id="113" name="CustomShape 2"/>
           <p:cNvSpPr/>
           <p:nvPr/>
         </p:nvSpPr>
         <p:spPr>
           <a:xfrm>
-            <a:off x="762120" y="1676520"/>
-            <a:ext cx="7616880" cy="4522680"/>
+            <a:off x="585720" y="1897560"/>
+            <a:ext cx="7616520" cy="4522320"/>
           </a:xfrm>
           <a:prstGeom prst="rect">
             <a:avLst/>
@@ -5381,65 +5234,120 @@
           <a:effectRef idx="0"/>
           <a:fontRef idx="minor"/>
         </p:style>
-        <p:txBody>
-          <a:bodyPr lIns="90000" rIns="90000" tIns="45000" bIns="45000"/>
-          <a:p>
-            <a:pPr>
-              <a:lnSpc>
-                <a:spcPct val="100000"/>
-              </a:lnSpc>
-            </a:pPr>
-            <a:endParaRPr/>
-          </a:p>
-          <a:p>
-            <a:pPr>
-              <a:lnSpc>
-                <a:spcPct val="100000"/>
-              </a:lnSpc>
-            </a:pPr>
-            <a:endParaRPr/>
-          </a:p>
-          <a:p>
-            <a:pPr>
-              <a:lnSpc>
-                <a:spcPct val="100000"/>
-              </a:lnSpc>
-            </a:pPr>
-            <a:endParaRPr/>
-          </a:p>
-          <a:p>
-            <a:pPr>
-              <a:lnSpc>
-                <a:spcPct val="100000"/>
-              </a:lnSpc>
-            </a:pPr>
-            <a:endParaRPr/>
-          </a:p>
-        </p:txBody>
-      </p:sp>
-      <p:pic>
-        <p:nvPicPr>
-          <p:cNvPr id="116" name="Picture 3" descr=""/>
-          <p:cNvPicPr/>
+      </p:sp>
+      <p:sp>
+        <p:nvSpPr>
+          <p:cNvPr id="114" name="CustomShape 3"/>
+          <p:cNvSpPr/>
           <p:nvPr/>
-        </p:nvPicPr>
-        <p:blipFill>
-          <a:blip r:embed="rId1"/>
-          <a:stretch/>
-        </p:blipFill>
-        <p:spPr>
-          <a:xfrm>
-            <a:off x="6727680" y="3984480"/>
-            <a:ext cx="2415960" cy="2415960"/>
-          </a:xfrm>
-          <a:prstGeom prst="rect">
-            <a:avLst/>
-          </a:prstGeom>
+        </p:nvSpPr>
+        <p:spPr>
+          <a:xfrm>
+            <a:off x="274320" y="1828800"/>
+            <a:ext cx="8593560" cy="1461240"/>
+          </a:xfrm>
+          <a:prstGeom prst="rect">
+            <a:avLst/>
+          </a:prstGeom>
+          <a:noFill/>
           <a:ln>
             <a:noFill/>
           </a:ln>
         </p:spPr>
-      </p:pic>
+        <p:style>
+          <a:lnRef idx="0"/>
+          <a:fillRef idx="0"/>
+          <a:effectRef idx="0"/>
+          <a:fontRef idx="minor"/>
+        </p:style>
+        <p:txBody>
+          <a:bodyPr lIns="90000" rIns="90000" tIns="45000" bIns="45000"/>
+          <a:p>
+            <a:pPr>
+              <a:lnSpc>
+                <a:spcPct val="100000"/>
+              </a:lnSpc>
+              <a:buSzPct val="45000"/>
+              <a:buFont typeface="StarSymbol"/>
+              <a:buChar char="l"/>
+            </a:pPr>
+            <a:r>
+              <a:rPr lang="en-US" sz="2400" strike="noStrike">
+                <a:solidFill>
+                  <a:srgbClr val="ffffff"/>
+                </a:solidFill>
+                <a:latin typeface="Arial"/>
+                <a:ea typeface="DejaVu Sans"/>
+              </a:rPr>
+              <a:t>С помощта на php създайте масив с 6 елемента, които представляват произволни марки коли. </a:t>
+            </a:r>
+            <a:endParaRPr/>
+          </a:p>
+          <a:p>
+            <a:pPr>
+              <a:lnSpc>
+                <a:spcPct val="100000"/>
+              </a:lnSpc>
+              <a:buSzPct val="45000"/>
+              <a:buFont typeface="StarSymbol"/>
+              <a:buChar char="l"/>
+            </a:pPr>
+            <a:r>
+              <a:rPr lang="en-US" sz="2400" strike="noStrike">
+                <a:solidFill>
+                  <a:srgbClr val="ffffff"/>
+                </a:solidFill>
+                <a:latin typeface="Arial"/>
+                <a:ea typeface="DejaVu Sans"/>
+              </a:rPr>
+              <a:t>Обходете масива и визуализирайте 6 параграфа, които съдържате текста „Искам да си купя …“ като на мястото на многоточието поставете всяка една от марките.</a:t>
+            </a:r>
+            <a:endParaRPr/>
+          </a:p>
+          <a:p>
+            <a:pPr>
+              <a:lnSpc>
+                <a:spcPct val="100000"/>
+              </a:lnSpc>
+              <a:buSzPct val="45000"/>
+              <a:buFont typeface="StarSymbol"/>
+              <a:buChar char="l"/>
+            </a:pPr>
+            <a:r>
+              <a:rPr lang="en-US" sz="2400" strike="noStrike">
+                <a:solidFill>
+                  <a:srgbClr val="ffffff"/>
+                </a:solidFill>
+                <a:latin typeface="Arial"/>
+                <a:ea typeface="DejaVu Sans"/>
+              </a:rPr>
+              <a:t>Изтрийте последния елемент от масива и го обходете отново.</a:t>
+            </a:r>
+            <a:endParaRPr/>
+          </a:p>
+          <a:p>
+            <a:pPr>
+              <a:lnSpc>
+                <a:spcPct val="100000"/>
+              </a:lnSpc>
+              <a:buSzPct val="45000"/>
+              <a:buFont typeface="StarSymbol"/>
+              <a:buChar char="l"/>
+            </a:pPr>
+            <a:r>
+              <a:rPr lang="en-US" sz="2400" strike="noStrike">
+                <a:solidFill>
+                  <a:srgbClr val="ffffff"/>
+                </a:solidFill>
+                <a:latin typeface="Arial"/>
+                <a:ea typeface="DejaVu Sans"/>
+              </a:rPr>
+              <a:t>Този път визуализирайте 5 параграфа с текст „ще си купя …“ като на мястото на многоточието поставете съответната марка</a:t>
+            </a:r>
+            <a:endParaRPr/>
+          </a:p>
+        </p:txBody>
+      </p:sp>
     </p:spTree>
   </p:cSld>
   <p:timing>
@@ -5449,6 +5357,400 @@
           <p:childTnLst>
             <p:seq>
               <p:cTn id="44" nodeType="mainSeq"/>
+              <p:prevCondLst>
+                <p:cond delay="0" evt="onPrev">
+                  <p:tgtEl>
+                    <p:sldTgt/>
+                  </p:tgtEl>
+                </p:cond>
+              </p:prevCondLst>
+              <p:nextCondLst>
+                <p:cond delay="0" evt="onNext">
+                  <p:tgtEl>
+                    <p:sldTgt/>
+                  </p:tgtEl>
+                </p:cond>
+              </p:nextCondLst>
+            </p:seq>
+          </p:childTnLst>
+        </p:cTn>
+      </p:par>
+    </p:tnLst>
+  </p:timing>
+</p:sld>
+</file>
+
+<file path=ppt/slides/slide23.xml><?xml version="1.0" encoding="utf-8"?>
+<p:sld xmlns:a="http://schemas.openxmlformats.org/drawingml/2006/main" xmlns:p="http://schemas.openxmlformats.org/presentationml/2006/main" xmlns:r="http://schemas.openxmlformats.org/officeDocument/2006/relationships">
+  <p:cSld>
+    <p:spTree>
+      <p:nvGrpSpPr>
+        <p:cNvPr id="1" name=""/>
+        <p:cNvGrpSpPr/>
+        <p:nvPr/>
+      </p:nvGrpSpPr>
+      <p:grpSpPr>
+        <a:xfrm>
+          <a:off x="0" y="0"/>
+          <a:ext cx="0" cy="0"/>
+          <a:chOff x="0" y="0"/>
+          <a:chExt cx="0" cy="0"/>
+        </a:xfrm>
+      </p:grpSpPr>
+      <p:sp>
+        <p:nvSpPr>
+          <p:cNvPr id="115" name="CustomShape 1"/>
+          <p:cNvSpPr/>
+          <p:nvPr/>
+        </p:nvSpPr>
+        <p:spPr>
+          <a:xfrm>
+            <a:off x="459000" y="731520"/>
+            <a:ext cx="8226000" cy="1139400"/>
+          </a:xfrm>
+          <a:prstGeom prst="rect">
+            <a:avLst/>
+          </a:prstGeom>
+          <a:noFill/>
+          <a:ln>
+            <a:noFill/>
+          </a:ln>
+        </p:spPr>
+        <p:style>
+          <a:lnRef idx="0"/>
+          <a:fillRef idx="0"/>
+          <a:effectRef idx="0"/>
+          <a:fontRef idx="minor"/>
+        </p:style>
+        <p:txBody>
+          <a:bodyPr lIns="90000" rIns="90000" tIns="45000" bIns="45000" anchor="ctr"/>
+          <a:p>
+            <a:pPr algn="ctr">
+              <a:lnSpc>
+                <a:spcPct val="100000"/>
+              </a:lnSpc>
+            </a:pPr>
+            <a:r>
+              <a:rPr lang="en-US" sz="4400" strike="noStrike">
+                <a:solidFill>
+                  <a:srgbClr val="f79646"/>
+                </a:solidFill>
+                <a:latin typeface="Calibri"/>
+                <a:ea typeface="DejaVu Sans"/>
+              </a:rPr>
+              <a:t>Задача за домашно 2</a:t>
+            </a:r>
+            <a:endParaRPr/>
+          </a:p>
+        </p:txBody>
+      </p:sp>
+      <p:sp>
+        <p:nvSpPr>
+          <p:cNvPr id="116" name="CustomShape 2"/>
+          <p:cNvSpPr/>
+          <p:nvPr/>
+        </p:nvSpPr>
+        <p:spPr>
+          <a:xfrm>
+            <a:off x="585720" y="1897560"/>
+            <a:ext cx="7616520" cy="4522320"/>
+          </a:xfrm>
+          <a:prstGeom prst="rect">
+            <a:avLst/>
+          </a:prstGeom>
+          <a:noFill/>
+          <a:ln>
+            <a:noFill/>
+          </a:ln>
+        </p:spPr>
+        <p:style>
+          <a:lnRef idx="0"/>
+          <a:fillRef idx="0"/>
+          <a:effectRef idx="0"/>
+          <a:fontRef idx="minor"/>
+        </p:style>
+      </p:sp>
+      <p:sp>
+        <p:nvSpPr>
+          <p:cNvPr id="117" name="CustomShape 3"/>
+          <p:cNvSpPr/>
+          <p:nvPr/>
+        </p:nvSpPr>
+        <p:spPr>
+          <a:xfrm>
+            <a:off x="274320" y="1828800"/>
+            <a:ext cx="8593560" cy="1461240"/>
+          </a:xfrm>
+          <a:prstGeom prst="rect">
+            <a:avLst/>
+          </a:prstGeom>
+          <a:noFill/>
+          <a:ln>
+            <a:noFill/>
+          </a:ln>
+        </p:spPr>
+        <p:style>
+          <a:lnRef idx="0"/>
+          <a:fillRef idx="0"/>
+          <a:effectRef idx="0"/>
+          <a:fontRef idx="minor"/>
+        </p:style>
+        <p:txBody>
+          <a:bodyPr lIns="90000" rIns="90000" tIns="45000" bIns="45000"/>
+          <a:p>
+            <a:pPr>
+              <a:lnSpc>
+                <a:spcPct val="100000"/>
+              </a:lnSpc>
+              <a:buSzPct val="45000"/>
+              <a:buFont typeface="StarSymbol"/>
+              <a:buChar char="l"/>
+            </a:pPr>
+            <a:r>
+              <a:rPr lang="en-US" sz="2400" strike="noStrike">
+                <a:solidFill>
+                  <a:srgbClr val="ffffff"/>
+                </a:solidFill>
+                <a:latin typeface="Arial"/>
+                <a:ea typeface="DejaVu Sans"/>
+              </a:rPr>
+              <a:t>С помощта на Php създайте асоциативен масив съдържащ 5 елемента, всеки от който с ключ - име на компания, и стойност web-site на компания. </a:t>
+            </a:r>
+            <a:endParaRPr/>
+          </a:p>
+          <a:p>
+            <a:pPr>
+              <a:lnSpc>
+                <a:spcPct val="100000"/>
+              </a:lnSpc>
+              <a:buSzPct val="45000"/>
+              <a:buFont typeface="StarSymbol"/>
+              <a:buChar char="l"/>
+            </a:pPr>
+            <a:r>
+              <a:rPr lang="en-US" sz="2400" strike="noStrike">
+                <a:solidFill>
+                  <a:srgbClr val="ffffff"/>
+                </a:solidFill>
+                <a:latin typeface="Arial"/>
+                <a:ea typeface="DejaVu Sans"/>
+              </a:rPr>
+              <a:t>С помощта на цикъла foreach генерирайте неподреден списък съдържащ линкове към сайтовете. </a:t>
+            </a:r>
+            <a:endParaRPr/>
+          </a:p>
+          <a:p>
+            <a:pPr>
+              <a:lnSpc>
+                <a:spcPct val="100000"/>
+              </a:lnSpc>
+              <a:buSzPct val="45000"/>
+              <a:buFont typeface="StarSymbol"/>
+              <a:buChar char="l"/>
+            </a:pPr>
+            <a:r>
+              <a:rPr lang="en-US" sz="2400" strike="noStrike">
+                <a:solidFill>
+                  <a:srgbClr val="ffffff"/>
+                </a:solidFill>
+                <a:latin typeface="Arial"/>
+                <a:ea typeface="DejaVu Sans"/>
+              </a:rPr>
+              <a:t>Текстът на линковете трябва да бъде името на съответната компания</a:t>
+            </a:r>
+            <a:endParaRPr/>
+          </a:p>
+        </p:txBody>
+      </p:sp>
+    </p:spTree>
+  </p:cSld>
+  <p:timing>
+    <p:tnLst>
+      <p:par>
+        <p:cTn id="45" dur="indefinite" restart="never" nodeType="tmRoot">
+          <p:childTnLst>
+            <p:seq>
+              <p:cTn id="46" nodeType="mainSeq"/>
+              <p:prevCondLst>
+                <p:cond delay="0" evt="onPrev">
+                  <p:tgtEl>
+                    <p:sldTgt/>
+                  </p:tgtEl>
+                </p:cond>
+              </p:prevCondLst>
+              <p:nextCondLst>
+                <p:cond delay="0" evt="onNext">
+                  <p:tgtEl>
+                    <p:sldTgt/>
+                  </p:tgtEl>
+                </p:cond>
+              </p:nextCondLst>
+            </p:seq>
+          </p:childTnLst>
+        </p:cTn>
+      </p:par>
+    </p:tnLst>
+  </p:timing>
+</p:sld>
+</file>
+
+<file path=ppt/slides/slide24.xml><?xml version="1.0" encoding="utf-8"?>
+<p:sld xmlns:a="http://schemas.openxmlformats.org/drawingml/2006/main" xmlns:p="http://schemas.openxmlformats.org/presentationml/2006/main" xmlns:r="http://schemas.openxmlformats.org/officeDocument/2006/relationships">
+  <p:cSld>
+    <p:spTree>
+      <p:nvGrpSpPr>
+        <p:cNvPr id="1" name=""/>
+        <p:cNvGrpSpPr/>
+        <p:nvPr/>
+      </p:nvGrpSpPr>
+      <p:grpSpPr>
+        <a:xfrm>
+          <a:off x="0" y="0"/>
+          <a:ext cx="0" cy="0"/>
+          <a:chOff x="0" y="0"/>
+          <a:chExt cx="0" cy="0"/>
+        </a:xfrm>
+      </p:grpSpPr>
+      <p:sp>
+        <p:nvSpPr>
+          <p:cNvPr id="118" name="CustomShape 1"/>
+          <p:cNvSpPr/>
+          <p:nvPr/>
+        </p:nvSpPr>
+        <p:spPr>
+          <a:xfrm>
+            <a:off x="3111840" y="2468880"/>
+            <a:ext cx="8226000" cy="1139400"/>
+          </a:xfrm>
+          <a:prstGeom prst="rect">
+            <a:avLst/>
+          </a:prstGeom>
+          <a:noFill/>
+          <a:ln>
+            <a:noFill/>
+          </a:ln>
+        </p:spPr>
+        <p:style>
+          <a:lnRef idx="0"/>
+          <a:fillRef idx="0"/>
+          <a:effectRef idx="0"/>
+          <a:fontRef idx="minor"/>
+        </p:style>
+        <p:txBody>
+          <a:bodyPr lIns="90000" rIns="90000" tIns="45000" bIns="45000" anchor="ctr"/>
+          <a:p>
+            <a:pPr>
+              <a:lnSpc>
+                <a:spcPct val="100000"/>
+              </a:lnSpc>
+            </a:pPr>
+            <a:r>
+              <a:rPr lang="en-US" sz="4400" strike="noStrike">
+                <a:solidFill>
+                  <a:srgbClr val="f79646"/>
+                </a:solidFill>
+                <a:latin typeface="Calibri"/>
+                <a:ea typeface="DejaVu Sans"/>
+              </a:rPr>
+              <a:t>Въпроси</a:t>
+            </a:r>
+            <a:endParaRPr/>
+          </a:p>
+        </p:txBody>
+      </p:sp>
+      <p:sp>
+        <p:nvSpPr>
+          <p:cNvPr id="119" name="CustomShape 2"/>
+          <p:cNvSpPr/>
+          <p:nvPr/>
+        </p:nvSpPr>
+        <p:spPr>
+          <a:xfrm>
+            <a:off x="762120" y="1676520"/>
+            <a:ext cx="7616520" cy="4522320"/>
+          </a:xfrm>
+          <a:prstGeom prst="rect">
+            <a:avLst/>
+          </a:prstGeom>
+          <a:noFill/>
+          <a:ln>
+            <a:noFill/>
+          </a:ln>
+        </p:spPr>
+        <p:style>
+          <a:lnRef idx="0"/>
+          <a:fillRef idx="0"/>
+          <a:effectRef idx="0"/>
+          <a:fontRef idx="minor"/>
+        </p:style>
+        <p:txBody>
+          <a:bodyPr lIns="90000" rIns="90000" tIns="45000" bIns="45000"/>
+          <a:p>
+            <a:pPr>
+              <a:lnSpc>
+                <a:spcPct val="100000"/>
+              </a:lnSpc>
+            </a:pPr>
+            <a:endParaRPr/>
+          </a:p>
+          <a:p>
+            <a:pPr>
+              <a:lnSpc>
+                <a:spcPct val="100000"/>
+              </a:lnSpc>
+            </a:pPr>
+            <a:endParaRPr/>
+          </a:p>
+          <a:p>
+            <a:pPr>
+              <a:lnSpc>
+                <a:spcPct val="100000"/>
+              </a:lnSpc>
+            </a:pPr>
+            <a:endParaRPr/>
+          </a:p>
+          <a:p>
+            <a:pPr>
+              <a:lnSpc>
+                <a:spcPct val="100000"/>
+              </a:lnSpc>
+            </a:pPr>
+            <a:endParaRPr/>
+          </a:p>
+        </p:txBody>
+      </p:sp>
+      <p:pic>
+        <p:nvPicPr>
+          <p:cNvPr id="120" name="Picture 3" descr=""/>
+          <p:cNvPicPr/>
+          <p:nvPr/>
+        </p:nvPicPr>
+        <p:blipFill>
+          <a:blip r:embed="rId1"/>
+          <a:stretch/>
+        </p:blipFill>
+        <p:spPr>
+          <a:xfrm>
+            <a:off x="6727680" y="3984480"/>
+            <a:ext cx="2415600" cy="2415600"/>
+          </a:xfrm>
+          <a:prstGeom prst="rect">
+            <a:avLst/>
+          </a:prstGeom>
+          <a:ln>
+            <a:noFill/>
+          </a:ln>
+        </p:spPr>
+      </p:pic>
+    </p:spTree>
+  </p:cSld>
+  <p:timing>
+    <p:tnLst>
+      <p:par>
+        <p:cTn id="47" dur="indefinite" restart="never" nodeType="tmRoot">
+          <p:childTnLst>
+            <p:seq>
+              <p:cTn id="48" nodeType="mainSeq"/>
               <p:prevCondLst>
                 <p:cond delay="0" evt="onPrev">
                   <p:tgtEl>
@@ -5498,7 +5800,7 @@
         <p:spPr>
           <a:xfrm>
             <a:off x="731520" y="2555280"/>
-            <a:ext cx="7769160" cy="1466640"/>
+            <a:ext cx="7768800" cy="1466280"/>
           </a:xfrm>
           <a:prstGeom prst="rect">
             <a:avLst/>
@@ -5594,7 +5896,7 @@
         <p:spPr>
           <a:xfrm>
             <a:off x="910080" y="1124280"/>
-            <a:ext cx="7769160" cy="1466640"/>
+            <a:ext cx="7768800" cy="1466280"/>
           </a:xfrm>
           <a:prstGeom prst="rect">
             <a:avLst/>
@@ -5641,7 +5943,7 @@
         <p:spPr>
           <a:xfrm>
             <a:off x="1554480" y="3129120"/>
-            <a:ext cx="6399360" cy="4551120"/>
+            <a:ext cx="6399000" cy="4550760"/>
           </a:xfrm>
           <a:prstGeom prst="rect">
             <a:avLst/>
@@ -5666,7 +5968,7 @@
               </a:lnSpc>
               <a:buSzPct val="45000"/>
               <a:buFont typeface="StarSymbol"/>
-              <a:buChar char=""/>
+              <a:buChar char="l"/>
             </a:pPr>
             <a:r>
               <a:rPr lang="en-US" sz="2400" strike="noStrike">
@@ -5687,7 +5989,7 @@
               </a:lnSpc>
               <a:buSzPct val="45000"/>
               <a:buFont typeface="StarSymbol"/>
-              <a:buChar char=""/>
+              <a:buChar char="l"/>
             </a:pPr>
             <a:r>
               <a:rPr lang="en-US" sz="2400" strike="noStrike">
@@ -5761,7 +6063,7 @@
         <p:spPr>
           <a:xfrm>
             <a:off x="731520" y="2555280"/>
-            <a:ext cx="7769160" cy="1466640"/>
+            <a:ext cx="7768800" cy="1466280"/>
           </a:xfrm>
           <a:prstGeom prst="rect">
             <a:avLst/>
@@ -5857,7 +6159,7 @@
         <p:spPr>
           <a:xfrm>
             <a:off x="969120" y="1107000"/>
-            <a:ext cx="7769160" cy="1466640"/>
+            <a:ext cx="7768800" cy="1466280"/>
           </a:xfrm>
           <a:prstGeom prst="rect">
             <a:avLst/>
@@ -5904,7 +6206,7 @@
         <p:spPr>
           <a:xfrm>
             <a:off x="457200" y="2926080"/>
-            <a:ext cx="8228160" cy="2731680"/>
+            <a:ext cx="8227800" cy="2731320"/>
           </a:xfrm>
           <a:prstGeom prst="rect">
             <a:avLst/>
@@ -5929,7 +6231,7 @@
               </a:lnSpc>
               <a:buSzPct val="45000"/>
               <a:buFont typeface="StarSymbol"/>
-              <a:buChar char=""/>
+              <a:buChar char="l"/>
             </a:pPr>
             <a:r>
               <a:rPr lang="en-US" sz="2400" strike="noStrike">
@@ -5950,7 +6252,7 @@
               </a:lnSpc>
               <a:buSzPct val="45000"/>
               <a:buFont typeface="StarSymbol"/>
-              <a:buChar char=""/>
+              <a:buChar char="l"/>
             </a:pPr>
             <a:r>
               <a:rPr lang="en-US" sz="2400" strike="noStrike">
@@ -5971,7 +6273,7 @@
               </a:lnSpc>
               <a:buSzPct val="45000"/>
               <a:buFont typeface="StarSymbol"/>
-              <a:buChar char=""/>
+              <a:buChar char="l"/>
             </a:pPr>
             <a:r>
               <a:rPr lang="en-US" sz="2400" strike="noStrike">
@@ -5992,7 +6294,7 @@
               </a:lnSpc>
               <a:buSzPct val="45000"/>
               <a:buFont typeface="StarSymbol"/>
-              <a:buChar char=""/>
+              <a:buChar char="l"/>
             </a:pPr>
             <a:r>
               <a:rPr lang="en-US" sz="2400" strike="noStrike">
@@ -6013,7 +6315,7 @@
               </a:lnSpc>
               <a:buSzPct val="45000"/>
               <a:buFont typeface="StarSymbol"/>
-              <a:buChar char=""/>
+              <a:buChar char="l"/>
             </a:pPr>
             <a:r>
               <a:rPr lang="en-US" sz="2400" strike="noStrike">
@@ -6034,7 +6336,7 @@
               </a:lnSpc>
               <a:buSzPct val="45000"/>
               <a:buFont typeface="StarSymbol"/>
-              <a:buChar char=""/>
+              <a:buChar char="l"/>
             </a:pPr>
             <a:r>
               <a:rPr lang="en-US" sz="2400" strike="noStrike">
@@ -6108,7 +6410,7 @@
         <p:spPr>
           <a:xfrm>
             <a:off x="731520" y="2555280"/>
-            <a:ext cx="7769160" cy="1466640"/>
+            <a:ext cx="7768800" cy="1466280"/>
           </a:xfrm>
           <a:prstGeom prst="rect">
             <a:avLst/>
@@ -6204,7 +6506,7 @@
         <p:spPr>
           <a:xfrm>
             <a:off x="643320" y="1463040"/>
-            <a:ext cx="8226360" cy="1139760"/>
+            <a:ext cx="8226000" cy="1139400"/>
           </a:xfrm>
           <a:prstGeom prst="rect">
             <a:avLst/>
@@ -6251,7 +6553,7 @@
         <p:spPr>
           <a:xfrm>
             <a:off x="536760" y="2652480"/>
-            <a:ext cx="7616880" cy="4522680"/>
+            <a:ext cx="7616520" cy="4522320"/>
           </a:xfrm>
           <a:prstGeom prst="rect">
             <a:avLst/>
@@ -6277,7 +6579,7 @@
         <p:spPr>
           <a:xfrm>
             <a:off x="926280" y="3040920"/>
-            <a:ext cx="7618680" cy="4396320"/>
+            <a:ext cx="7618320" cy="4395960"/>
           </a:xfrm>
           <a:prstGeom prst="rect">
             <a:avLst/>
@@ -6302,7 +6604,7 @@
               </a:lnSpc>
               <a:buSzPct val="45000"/>
               <a:buFont typeface="StarSymbol"/>
-              <a:buChar char=""/>
+              <a:buChar char="l"/>
             </a:pPr>
             <a:r>
               <a:rPr lang="en-US" sz="2400" strike="noStrike">
@@ -6323,7 +6625,7 @@
               </a:lnSpc>
               <a:buSzPct val="45000"/>
               <a:buFont typeface="StarSymbol"/>
-              <a:buChar char=""/>
+              <a:buChar char="l"/>
             </a:pPr>
             <a:r>
               <a:rPr lang="en-US" sz="2400" strike="noStrike">
@@ -6397,7 +6699,7 @@
         <p:spPr>
           <a:xfrm>
             <a:off x="731520" y="2555280"/>
-            <a:ext cx="7769160" cy="1466640"/>
+            <a:ext cx="7768800" cy="1466280"/>
           </a:xfrm>
           <a:prstGeom prst="rect">
             <a:avLst/>
